--- a/Africa.pptx
+++ b/Africa.pptx
@@ -4733,6 +4733,31 @@
           <a:chExt cx="0" cy="0"/>
         </a:xfrm>
       </p:grpSpPr>
+      <p:sp>
+        <p:nvSpPr>
+          <p:cNvPr id="2" name="Shape 85"/>
+          <p:cNvSpPr/>
+          <p:nvPr/>
+        </p:nvSpPr>
+        <p:spPr>
+          <a:xfrm>
+            <a:off x="2307563" y="967830"/>
+            <a:ext cx="4528873" cy="4922339"/>
+          </a:xfrm>
+          <a:prstGeom prst="rect">
+            <a:avLst/>
+          </a:prstGeom>
+          <a:blipFill>
+            <a:blip r:embed="rId3"/>
+            <a:stretch>
+              <a:fillRect/>
+            </a:stretch>
+          </a:blipFill>
+          <a:ln>
+            <a:noFill/>
+          </a:ln>
+        </p:spPr>
+      </p:sp>
     </p:spTree>
   </p:cSld>
   <p:clrMapOvr>
